--- a/Forty Years of Oil Price Fluctuations.pptx
+++ b/Forty Years of Oil Price Fluctuations.pptx
@@ -175,7 +175,7 @@
   <pc:docChgLst>
     <pc:chgData name="Alankrit Varma" userId="cb87d9eb-f513-45b9-b518-427599ed125a" providerId="ADAL" clId="{0C25AC9D-046C-403D-8D35-D100E033DC4F}"/>
     <pc:docChg chg="undo redo custSel addSld delSld modSld">
-      <pc:chgData name="Alankrit Varma" userId="cb87d9eb-f513-45b9-b518-427599ed125a" providerId="ADAL" clId="{0C25AC9D-046C-403D-8D35-D100E033DC4F}" dt="2018-02-28T03:21:10.113" v="3981" actId="12789"/>
+      <pc:chgData name="Alankrit Varma" userId="cb87d9eb-f513-45b9-b518-427599ed125a" providerId="ADAL" clId="{0C25AC9D-046C-403D-8D35-D100E033DC4F}" dt="2018-02-28T03:57:40.484" v="4020" actId="1036"/>
       <pc:docMkLst>
         <pc:docMk/>
       </pc:docMkLst>
@@ -547,147 +547,163 @@
         </pc:sldMkLst>
       </pc:sldChg>
       <pc:sldChg chg="add">
-        <pc:chgData name="Alankrit Varma" userId="cb87d9eb-f513-45b9-b518-427599ed125a" providerId="ADAL" clId="{0C25AC9D-046C-403D-8D35-D100E033DC4F}" dt="2018-02-28T03:07:48.138" v="3950"/>
+        <pc:chgData name="Alankrit Varma" userId="cb87d9eb-f513-45b9-b518-427599ed125a" providerId="ADAL" clId="{0C25AC9D-046C-403D-8D35-D100E033DC4F}" dt="2018-02-28T03:07:48.138" v="3950" actId="12789"/>
         <pc:sldMkLst>
           <pc:docMk/>
           <pc:sldMk cId="1720776707" sldId="316"/>
         </pc:sldMkLst>
       </pc:sldChg>
       <pc:sldChg chg="add del setBg">
-        <pc:chgData name="Alankrit Varma" userId="cb87d9eb-f513-45b9-b518-427599ed125a" providerId="ADAL" clId="{0C25AC9D-046C-403D-8D35-D100E033DC4F}" dt="2018-02-28T03:07:48.083" v="3949"/>
+        <pc:chgData name="Alankrit Varma" userId="cb87d9eb-f513-45b9-b518-427599ed125a" providerId="ADAL" clId="{0C25AC9D-046C-403D-8D35-D100E033DC4F}" dt="2018-02-28T03:07:48.083" v="3949" actId="12789"/>
         <pc:sldMkLst>
           <pc:docMk/>
           <pc:sldMk cId="1828003281" sldId="316"/>
         </pc:sldMkLst>
       </pc:sldChg>
       <pc:sldChg chg="add del">
-        <pc:chgData name="Alankrit Varma" userId="cb87d9eb-f513-45b9-b518-427599ed125a" providerId="ADAL" clId="{0C25AC9D-046C-403D-8D35-D100E033DC4F}" dt="2018-02-28T03:07:48.138" v="3950"/>
+        <pc:chgData name="Alankrit Varma" userId="cb87d9eb-f513-45b9-b518-427599ed125a" providerId="ADAL" clId="{0C25AC9D-046C-403D-8D35-D100E033DC4F}" dt="2018-02-28T03:07:48.138" v="3950" actId="12789"/>
         <pc:sldMkLst>
           <pc:docMk/>
           <pc:sldMk cId="601597855" sldId="317"/>
         </pc:sldMkLst>
       </pc:sldChg>
       <pc:sldChg chg="add del setBg">
-        <pc:chgData name="Alankrit Varma" userId="cb87d9eb-f513-45b9-b518-427599ed125a" providerId="ADAL" clId="{0C25AC9D-046C-403D-8D35-D100E033DC4F}" dt="2018-02-28T03:08:30.926" v="3966"/>
+        <pc:chgData name="Alankrit Varma" userId="cb87d9eb-f513-45b9-b518-427599ed125a" providerId="ADAL" clId="{0C25AC9D-046C-403D-8D35-D100E033DC4F}" dt="2018-02-28T03:08:30.926" v="3966" actId="12789"/>
         <pc:sldMkLst>
           <pc:docMk/>
           <pc:sldMk cId="1143845568" sldId="318"/>
         </pc:sldMkLst>
       </pc:sldChg>
       <pc:sldChg chg="add del">
-        <pc:chgData name="Alankrit Varma" userId="cb87d9eb-f513-45b9-b518-427599ed125a" providerId="ADAL" clId="{0C25AC9D-046C-403D-8D35-D100E033DC4F}" dt="2018-02-28T03:08:30.926" v="3966"/>
+        <pc:chgData name="Alankrit Varma" userId="cb87d9eb-f513-45b9-b518-427599ed125a" providerId="ADAL" clId="{0C25AC9D-046C-403D-8D35-D100E033DC4F}" dt="2018-02-28T03:08:30.926" v="3966" actId="12789"/>
         <pc:sldMkLst>
           <pc:docMk/>
           <pc:sldMk cId="2157710371" sldId="319"/>
         </pc:sldMkLst>
       </pc:sldChg>
       <pc:sldChg chg="add del">
-        <pc:chgData name="Alankrit Varma" userId="cb87d9eb-f513-45b9-b518-427599ed125a" providerId="ADAL" clId="{0C25AC9D-046C-403D-8D35-D100E033DC4F}" dt="2018-02-28T03:08:30.926" v="3966"/>
+        <pc:chgData name="Alankrit Varma" userId="cb87d9eb-f513-45b9-b518-427599ed125a" providerId="ADAL" clId="{0C25AC9D-046C-403D-8D35-D100E033DC4F}" dt="2018-02-28T03:08:30.926" v="3966" actId="12789"/>
         <pc:sldMkLst>
           <pc:docMk/>
           <pc:sldMk cId="4190013255" sldId="320"/>
         </pc:sldMkLst>
       </pc:sldChg>
       <pc:sldChg chg="add del">
-        <pc:chgData name="Alankrit Varma" userId="cb87d9eb-f513-45b9-b518-427599ed125a" providerId="ADAL" clId="{0C25AC9D-046C-403D-8D35-D100E033DC4F}" dt="2018-02-28T03:08:30.926" v="3966"/>
+        <pc:chgData name="Alankrit Varma" userId="cb87d9eb-f513-45b9-b518-427599ed125a" providerId="ADAL" clId="{0C25AC9D-046C-403D-8D35-D100E033DC4F}" dt="2018-02-28T03:08:30.926" v="3966" actId="12789"/>
         <pc:sldMkLst>
           <pc:docMk/>
           <pc:sldMk cId="1437262794" sldId="321"/>
         </pc:sldMkLst>
       </pc:sldChg>
       <pc:sldChg chg="add del">
-        <pc:chgData name="Alankrit Varma" userId="cb87d9eb-f513-45b9-b518-427599ed125a" providerId="ADAL" clId="{0C25AC9D-046C-403D-8D35-D100E033DC4F}" dt="2018-02-28T03:08:30.926" v="3966"/>
+        <pc:chgData name="Alankrit Varma" userId="cb87d9eb-f513-45b9-b518-427599ed125a" providerId="ADAL" clId="{0C25AC9D-046C-403D-8D35-D100E033DC4F}" dt="2018-02-28T03:08:30.926" v="3966" actId="12789"/>
         <pc:sldMkLst>
           <pc:docMk/>
           <pc:sldMk cId="814829810" sldId="322"/>
         </pc:sldMkLst>
       </pc:sldChg>
       <pc:sldChg chg="add del setBg">
-        <pc:chgData name="Alankrit Varma" userId="cb87d9eb-f513-45b9-b518-427599ed125a" providerId="ADAL" clId="{0C25AC9D-046C-403D-8D35-D100E033DC4F}" dt="2018-02-28T03:08:30.926" v="3966"/>
+        <pc:chgData name="Alankrit Varma" userId="cb87d9eb-f513-45b9-b518-427599ed125a" providerId="ADAL" clId="{0C25AC9D-046C-403D-8D35-D100E033DC4F}" dt="2018-02-28T03:08:30.926" v="3966" actId="12789"/>
         <pc:sldMkLst>
           <pc:docMk/>
           <pc:sldMk cId="1663656589" sldId="323"/>
         </pc:sldMkLst>
       </pc:sldChg>
       <pc:sldChg chg="add">
-        <pc:chgData name="Alankrit Varma" userId="cb87d9eb-f513-45b9-b518-427599ed125a" providerId="ADAL" clId="{0C25AC9D-046C-403D-8D35-D100E033DC4F}" dt="2018-02-28T03:08:30.926" v="3966"/>
+        <pc:chgData name="Alankrit Varma" userId="cb87d9eb-f513-45b9-b518-427599ed125a" providerId="ADAL" clId="{0C25AC9D-046C-403D-8D35-D100E033DC4F}" dt="2018-02-28T03:08:30.926" v="3966" actId="12789"/>
         <pc:sldMkLst>
           <pc:docMk/>
           <pc:sldMk cId="1684886239" sldId="324"/>
         </pc:sldMkLst>
       </pc:sldChg>
       <pc:sldChg chg="add del">
-        <pc:chgData name="Alankrit Varma" userId="cb87d9eb-f513-45b9-b518-427599ed125a" providerId="ADAL" clId="{0C25AC9D-046C-403D-8D35-D100E033DC4F}" dt="2018-02-28T03:08:30.902" v="3965"/>
+        <pc:chgData name="Alankrit Varma" userId="cb87d9eb-f513-45b9-b518-427599ed125a" providerId="ADAL" clId="{0C25AC9D-046C-403D-8D35-D100E033DC4F}" dt="2018-02-28T03:08:30.902" v="3965" actId="12789"/>
         <pc:sldMkLst>
           <pc:docMk/>
           <pc:sldMk cId="3106085758" sldId="324"/>
         </pc:sldMkLst>
       </pc:sldChg>
       <pc:sldChg chg="add">
-        <pc:chgData name="Alankrit Varma" userId="cb87d9eb-f513-45b9-b518-427599ed125a" providerId="ADAL" clId="{0C25AC9D-046C-403D-8D35-D100E033DC4F}" dt="2018-02-28T03:08:30.926" v="3966"/>
+        <pc:chgData name="Alankrit Varma" userId="cb87d9eb-f513-45b9-b518-427599ed125a" providerId="ADAL" clId="{0C25AC9D-046C-403D-8D35-D100E033DC4F}" dt="2018-02-28T03:08:30.926" v="3966" actId="12789"/>
         <pc:sldMkLst>
           <pc:docMk/>
           <pc:sldMk cId="2775334990" sldId="325"/>
         </pc:sldMkLst>
       </pc:sldChg>
       <pc:sldChg chg="add del">
-        <pc:chgData name="Alankrit Varma" userId="cb87d9eb-f513-45b9-b518-427599ed125a" providerId="ADAL" clId="{0C25AC9D-046C-403D-8D35-D100E033DC4F}" dt="2018-02-28T03:08:30.902" v="3965"/>
+        <pc:chgData name="Alankrit Varma" userId="cb87d9eb-f513-45b9-b518-427599ed125a" providerId="ADAL" clId="{0C25AC9D-046C-403D-8D35-D100E033DC4F}" dt="2018-02-28T03:08:30.902" v="3965" actId="12789"/>
         <pc:sldMkLst>
           <pc:docMk/>
           <pc:sldMk cId="3187781226" sldId="325"/>
         </pc:sldMkLst>
       </pc:sldChg>
       <pc:sldChg chg="add del">
-        <pc:chgData name="Alankrit Varma" userId="cb87d9eb-f513-45b9-b518-427599ed125a" providerId="ADAL" clId="{0C25AC9D-046C-403D-8D35-D100E033DC4F}" dt="2018-02-28T03:08:30.926" v="3966"/>
+        <pc:chgData name="Alankrit Varma" userId="cb87d9eb-f513-45b9-b518-427599ed125a" providerId="ADAL" clId="{0C25AC9D-046C-403D-8D35-D100E033DC4F}" dt="2018-02-28T03:08:30.926" v="3966" actId="12789"/>
         <pc:sldMkLst>
           <pc:docMk/>
           <pc:sldMk cId="3438246557" sldId="326"/>
         </pc:sldMkLst>
       </pc:sldChg>
       <pc:sldChg chg="add del">
-        <pc:chgData name="Alankrit Varma" userId="cb87d9eb-f513-45b9-b518-427599ed125a" providerId="ADAL" clId="{0C25AC9D-046C-403D-8D35-D100E033DC4F}" dt="2018-02-28T03:08:30.926" v="3966"/>
+        <pc:chgData name="Alankrit Varma" userId="cb87d9eb-f513-45b9-b518-427599ed125a" providerId="ADAL" clId="{0C25AC9D-046C-403D-8D35-D100E033DC4F}" dt="2018-02-28T03:08:30.926" v="3966" actId="12789"/>
         <pc:sldMkLst>
           <pc:docMk/>
           <pc:sldMk cId="2170835419" sldId="327"/>
         </pc:sldMkLst>
       </pc:sldChg>
-      <pc:sldChg chg="add del">
-        <pc:chgData name="Alankrit Varma" userId="cb87d9eb-f513-45b9-b518-427599ed125a" providerId="ADAL" clId="{0C25AC9D-046C-403D-8D35-D100E033DC4F}" dt="2018-02-28T03:08:30.926" v="3966"/>
+      <pc:sldChg chg="delSp modSp add del">
+        <pc:chgData name="Alankrit Varma" userId="cb87d9eb-f513-45b9-b518-427599ed125a" providerId="ADAL" clId="{0C25AC9D-046C-403D-8D35-D100E033DC4F}" dt="2018-02-28T03:57:40.484" v="4020" actId="1036"/>
         <pc:sldMkLst>
           <pc:docMk/>
           <pc:sldMk cId="1214581069" sldId="328"/>
         </pc:sldMkLst>
+        <pc:spChg chg="del">
+          <ac:chgData name="Alankrit Varma" userId="cb87d9eb-f513-45b9-b518-427599ed125a" providerId="ADAL" clId="{0C25AC9D-046C-403D-8D35-D100E033DC4F}" dt="2018-02-28T03:57:34.709" v="3982" actId="478"/>
+          <ac:spMkLst>
+            <pc:docMk/>
+            <pc:sldMk cId="1214581069" sldId="328"/>
+            <ac:spMk id="4" creationId="{00000000-0000-0000-0000-000000000000}"/>
+          </ac:spMkLst>
+        </pc:spChg>
+        <pc:spChg chg="mod">
+          <ac:chgData name="Alankrit Varma" userId="cb87d9eb-f513-45b9-b518-427599ed125a" providerId="ADAL" clId="{0C25AC9D-046C-403D-8D35-D100E033DC4F}" dt="2018-02-28T03:57:40.484" v="4020" actId="1036"/>
+          <ac:spMkLst>
+            <pc:docMk/>
+            <pc:sldMk cId="1214581069" sldId="328"/>
+            <ac:spMk id="5" creationId="{00000000-0000-0000-0000-000000000000}"/>
+          </ac:spMkLst>
+        </pc:spChg>
       </pc:sldChg>
       <pc:sldChg chg="add del">
-        <pc:chgData name="Alankrit Varma" userId="cb87d9eb-f513-45b9-b518-427599ed125a" providerId="ADAL" clId="{0C25AC9D-046C-403D-8D35-D100E033DC4F}" dt="2018-02-28T03:08:30.926" v="3966"/>
+        <pc:chgData name="Alankrit Varma" userId="cb87d9eb-f513-45b9-b518-427599ed125a" providerId="ADAL" clId="{0C25AC9D-046C-403D-8D35-D100E033DC4F}" dt="2018-02-28T03:08:30.926" v="3966" actId="12789"/>
         <pc:sldMkLst>
           <pc:docMk/>
           <pc:sldMk cId="4147390387" sldId="329"/>
         </pc:sldMkLst>
       </pc:sldChg>
       <pc:sldChg chg="add">
-        <pc:chgData name="Alankrit Varma" userId="cb87d9eb-f513-45b9-b518-427599ed125a" providerId="ADAL" clId="{0C25AC9D-046C-403D-8D35-D100E033DC4F}" dt="2018-02-28T03:19:38.425" v="3967"/>
+        <pc:chgData name="Alankrit Varma" userId="cb87d9eb-f513-45b9-b518-427599ed125a" providerId="ADAL" clId="{0C25AC9D-046C-403D-8D35-D100E033DC4F}" dt="2018-02-28T03:19:38.425" v="3967" actId="12789"/>
         <pc:sldMkLst>
           <pc:docMk/>
           <pc:sldMk cId="2293799491" sldId="330"/>
         </pc:sldMkLst>
       </pc:sldChg>
       <pc:sldChg chg="add">
-        <pc:chgData name="Alankrit Varma" userId="cb87d9eb-f513-45b9-b518-427599ed125a" providerId="ADAL" clId="{0C25AC9D-046C-403D-8D35-D100E033DC4F}" dt="2018-02-28T03:19:38.425" v="3967"/>
+        <pc:chgData name="Alankrit Varma" userId="cb87d9eb-f513-45b9-b518-427599ed125a" providerId="ADAL" clId="{0C25AC9D-046C-403D-8D35-D100E033DC4F}" dt="2018-02-28T03:19:38.425" v="3967" actId="12789"/>
         <pc:sldMkLst>
           <pc:docMk/>
           <pc:sldMk cId="2406037765" sldId="331"/>
         </pc:sldMkLst>
       </pc:sldChg>
       <pc:sldChg chg="add">
-        <pc:chgData name="Alankrit Varma" userId="cb87d9eb-f513-45b9-b518-427599ed125a" providerId="ADAL" clId="{0C25AC9D-046C-403D-8D35-D100E033DC4F}" dt="2018-02-28T03:19:38.425" v="3967"/>
+        <pc:chgData name="Alankrit Varma" userId="cb87d9eb-f513-45b9-b518-427599ed125a" providerId="ADAL" clId="{0C25AC9D-046C-403D-8D35-D100E033DC4F}" dt="2018-02-28T03:19:38.425" v="3967" actId="12789"/>
         <pc:sldMkLst>
           <pc:docMk/>
           <pc:sldMk cId="3425277226" sldId="332"/>
         </pc:sldMkLst>
       </pc:sldChg>
       <pc:sldChg chg="add">
-        <pc:chgData name="Alankrit Varma" userId="cb87d9eb-f513-45b9-b518-427599ed125a" providerId="ADAL" clId="{0C25AC9D-046C-403D-8D35-D100E033DC4F}" dt="2018-02-28T03:19:38.425" v="3967"/>
+        <pc:chgData name="Alankrit Varma" userId="cb87d9eb-f513-45b9-b518-427599ed125a" providerId="ADAL" clId="{0C25AC9D-046C-403D-8D35-D100E033DC4F}" dt="2018-02-28T03:19:38.425" v="3967" actId="12789"/>
         <pc:sldMkLst>
           <pc:docMk/>
           <pc:sldMk cId="119211506" sldId="333"/>
@@ -16333,189 +16349,20 @@
       </p:grpSpPr>
       <p:sp>
         <p:nvSpPr>
-          <p:cNvPr id="4" name="Title 1"/>
-          <p:cNvSpPr txBox="1">
-            <a:spLocks/>
-          </p:cNvSpPr>
-          <p:nvPr/>
+          <p:cNvPr id="5" name="Title 4"/>
+          <p:cNvSpPr>
+            <a:spLocks noGrp="1"/>
+          </p:cNvSpPr>
+          <p:nvPr>
+            <p:ph type="title"/>
+          </p:nvPr>
         </p:nvSpPr>
         <p:spPr>
           <a:xfrm>
-            <a:off x="589221" y="2578102"/>
-            <a:ext cx="7772400" cy="1362075"/>
+            <a:off x="457200" y="2307725"/>
+            <a:ext cx="8229600" cy="1143000"/>
           </a:xfrm>
-          <a:prstGeom prst="rect">
-            <a:avLst/>
-          </a:prstGeom>
         </p:spPr>
-        <p:txBody>
-          <a:bodyPr>
-            <a:noAutofit/>
-          </a:bodyPr>
-          <a:lstStyle>
-            <a:lvl1pPr algn="ctr" defTabSz="457200" rtl="0" eaLnBrk="1" latinLnBrk="0" hangingPunct="1">
-              <a:spcBef>
-                <a:spcPct val="0"/>
-              </a:spcBef>
-              <a:buNone/>
-              <a:defRPr sz="3000" kern="1200" cap="all" spc="200">
-                <a:solidFill>
-                  <a:schemeClr val="tx2">
-                    <a:lumMod val="50000"/>
-                  </a:schemeClr>
-                </a:solidFill>
-                <a:latin typeface="Whitney-Medium"/>
-                <a:ea typeface="+mj-ea"/>
-                <a:cs typeface="+mj-cs"/>
-              </a:defRPr>
-            </a:lvl1pPr>
-          </a:lstStyle>
-          <a:p>
-            <a:pPr marL="0" marR="0" lvl="0" indent="0" algn="ctr" defTabSz="457200" rtl="0" eaLnBrk="1" fontAlgn="auto" latinLnBrk="0" hangingPunct="1">
-              <a:lnSpc>
-                <a:spcPct val="100000"/>
-              </a:lnSpc>
-              <a:spcBef>
-                <a:spcPct val="0"/>
-              </a:spcBef>
-              <a:spcAft>
-                <a:spcPts val="0"/>
-              </a:spcAft>
-              <a:buClrTx/>
-              <a:buSzTx/>
-              <a:buFontTx/>
-              <a:buNone/>
-              <a:tabLst/>
-              <a:defRPr/>
-            </a:pPr>
-            <a:r>
-              <a:rPr kumimoji="0" lang="en-US" sz="2000" b="0" i="0" u="none" strike="noStrike" kern="1200" cap="all" spc="200" normalizeH="0" baseline="0" noProof="0" dirty="0">
-                <a:ln>
-                  <a:noFill/>
-                </a:ln>
-                <a:solidFill>
-                  <a:prstClr val="white"/>
-                </a:solidFill>
-                <a:effectLst/>
-                <a:uLnTx/>
-                <a:uFillTx/>
-                <a:latin typeface="Whitney-Medium"/>
-                <a:ea typeface="+mj-ea"/>
-                <a:cs typeface="+mj-cs"/>
-              </a:rPr>
-              <a:t>“Oil.”</a:t>
-            </a:r>
-            <a:br>
-              <a:rPr kumimoji="0" lang="en-US" sz="2000" b="0" i="0" u="none" strike="noStrike" kern="1200" cap="all" spc="200" normalizeH="0" baseline="0" noProof="0" dirty="0">
-                <a:ln>
-                  <a:noFill/>
-                </a:ln>
-                <a:solidFill>
-                  <a:prstClr val="white"/>
-                </a:solidFill>
-                <a:effectLst/>
-                <a:uLnTx/>
-                <a:uFillTx/>
-                <a:latin typeface="Whitney-Medium"/>
-                <a:ea typeface="+mj-ea"/>
-                <a:cs typeface="+mj-cs"/>
-              </a:rPr>
-            </a:br>
-            <a:br>
-              <a:rPr kumimoji="0" lang="en-US" sz="2000" b="0" i="0" u="none" strike="noStrike" kern="1200" cap="all" spc="200" normalizeH="0" baseline="0" noProof="0" dirty="0">
-                <a:ln>
-                  <a:noFill/>
-                </a:ln>
-                <a:solidFill>
-                  <a:prstClr val="white"/>
-                </a:solidFill>
-                <a:effectLst/>
-                <a:uLnTx/>
-                <a:uFillTx/>
-                <a:latin typeface="Whitney-Medium"/>
-                <a:ea typeface="+mj-ea"/>
-                <a:cs typeface="+mj-cs"/>
-              </a:rPr>
-            </a:br>
-            <a:r>
-              <a:rPr kumimoji="0" lang="en-US" sz="2000" b="0" i="0" u="none" strike="noStrike" kern="1200" cap="all" spc="200" normalizeH="0" baseline="0" noProof="0" dirty="0">
-                <a:ln>
-                  <a:noFill/>
-                </a:ln>
-                <a:solidFill>
-                  <a:prstClr val="white"/>
-                </a:solidFill>
-                <a:effectLst/>
-                <a:uLnTx/>
-                <a:uFillTx/>
-                <a:latin typeface="Whitney-Medium"/>
-                <a:ea typeface="+mj-ea"/>
-                <a:cs typeface="+mj-cs"/>
-              </a:rPr>
-              <a:t>										</a:t>
-            </a:r>
-            <a:r>
-              <a:rPr kumimoji="0" lang="en-US" sz="1800" b="0" i="0" u="none" strike="noStrike" kern="1200" cap="all" spc="200" normalizeH="0" baseline="0" noProof="0" dirty="0">
-                <a:ln>
-                  <a:noFill/>
-                </a:ln>
-                <a:solidFill>
-                  <a:prstClr val="white"/>
-                </a:solidFill>
-                <a:effectLst/>
-                <a:uLnTx/>
-                <a:uFillTx/>
-                <a:latin typeface="Whitney-Medium"/>
-                <a:ea typeface="+mj-ea"/>
-                <a:cs typeface="+mj-cs"/>
-              </a:rPr>
-              <a:t>- </a:t>
-            </a:r>
-            <a:r>
-              <a:rPr kumimoji="0" lang="en-US" sz="1400" b="0" i="0" u="none" strike="noStrike" kern="1200" cap="all" spc="200" normalizeH="0" baseline="0" noProof="0" dirty="0">
-                <a:ln>
-                  <a:noFill/>
-                </a:ln>
-                <a:solidFill>
-                  <a:prstClr val="white"/>
-                </a:solidFill>
-                <a:effectLst/>
-                <a:uLnTx/>
-                <a:uFillTx/>
-                <a:latin typeface="Whitney-Medium"/>
-                <a:ea typeface="+mj-ea"/>
-                <a:cs typeface="+mj-cs"/>
-              </a:rPr>
-              <a:t>???</a:t>
-            </a:r>
-            <a:endParaRPr kumimoji="0" lang="en-US" sz="2000" b="0" i="0" u="none" strike="noStrike" kern="1200" cap="all" spc="200" normalizeH="0" baseline="0" noProof="0" dirty="0">
-              <a:ln>
-                <a:noFill/>
-              </a:ln>
-              <a:solidFill>
-                <a:prstClr val="white"/>
-              </a:solidFill>
-              <a:effectLst/>
-              <a:uLnTx/>
-              <a:uFillTx/>
-              <a:latin typeface="Whitney-Medium"/>
-              <a:ea typeface="+mj-ea"/>
-              <a:cs typeface="+mj-cs"/>
-            </a:endParaRPr>
-          </a:p>
-        </p:txBody>
-      </p:sp>
-      <p:sp>
-        <p:nvSpPr>
-          <p:cNvPr id="5" name="Title 4"/>
-          <p:cNvSpPr>
-            <a:spLocks noGrp="1"/>
-          </p:cNvSpPr>
-          <p:nvPr>
-            <p:ph type="title"/>
-          </p:nvPr>
-        </p:nvSpPr>
-        <p:spPr/>
         <p:txBody>
           <a:bodyPr/>
           <a:lstStyle/>
